--- a/presentation/2022_10_03_thesis_defense.pptx
+++ b/presentation/2022_10_03_thesis_defense.pptx
@@ -3406,11 +3406,7 @@
           <a:p>
             <a:r>
               <a:rPr lang="en-US" dirty="0"/>
-              <a:t>What is congruency effect, how is it measured, what does it show (conflict </a:t>
-            </a:r>
-            <a:r>
-              <a:rPr lang="en-US"/>
-              <a:t>between prime and target)</a:t>
+              <a:t>What is congruency effect, how is it measured, what does it show (conflict between prime and target)</a:t>
             </a:r>
             <a:endParaRPr lang="he-IL" dirty="0"/>
           </a:p>
@@ -3606,56 +3602,6 @@
           <a:chExt cx="0" cy="0"/>
         </a:xfrm>
       </p:grpSpPr>
-      <p:sp>
-        <p:nvSpPr>
-          <p:cNvPr id="4" name="TextBox 3">
-            <a:extLst>
-              <a:ext uri="{FF2B5EF4-FFF2-40B4-BE49-F238E27FC236}">
-                <a16:creationId xmlns:a16="http://schemas.microsoft.com/office/drawing/2014/main" id="{B244450F-287D-A680-6794-2F04A6077A97}"/>
-              </a:ext>
-            </a:extLst>
-          </p:cNvPr>
-          <p:cNvSpPr txBox="1"/>
-          <p:nvPr/>
-        </p:nvSpPr>
-        <p:spPr>
-          <a:xfrm>
-            <a:off x="1044409" y="580709"/>
-            <a:ext cx="6292459" cy="646331"/>
-          </a:xfrm>
-          <a:prstGeom prst="rect">
-            <a:avLst/>
-          </a:prstGeom>
-          <a:noFill/>
-        </p:spPr>
-        <p:txBody>
-          <a:bodyPr wrap="square" rtlCol="1">
-            <a:spAutoFit/>
-          </a:bodyPr>
-          <a:lstStyle/>
-          <a:p>
-            <a:r>
-              <a:rPr lang="en-US" dirty="0"/>
-              <a:t>What is UC processing</a:t>
-            </a:r>
-          </a:p>
-          <a:p>
-            <a:r>
-              <a:rPr lang="en-US" dirty="0"/>
-              <a:t>And </a:t>
-            </a:r>
-            <a:r>
-              <a:rPr lang="en-US" dirty="0" err="1"/>
-              <a:t>theparadigms</a:t>
-            </a:r>
-            <a:r>
-              <a:rPr lang="en-US" dirty="0"/>
-              <a:t> used to render stimuli invisible</a:t>
-            </a:r>
-            <a:endParaRPr lang="he-IL" dirty="0"/>
-          </a:p>
-        </p:txBody>
-      </p:sp>
     </p:spTree>
     <p:extLst>
       <p:ext uri="{BB962C8B-B14F-4D97-AF65-F5344CB8AC3E}">
